--- a/PPT 제출하는 폴더/201413099 신명수 작업물.pptx
+++ b/PPT 제출하는 폴더/201413099 신명수 작업물.pptx
@@ -105,6 +105,11 @@
       </a:defRPr>
     </a:lvl9pPr>
   </p:defaultTextStyle>
+  <p:extLst>
+    <p:ext uri="{EFAFB233-063F-42B5-8137-9DF3F51BA10A}">
+      <p15:sldGuideLst xmlns:p15="http://schemas.microsoft.com/office/powerpoint/2012/main"/>
+    </p:ext>
+  </p:extLst>
 </p:presentation>
 </file>
 
@@ -239,7 +244,7 @@
           <a:p>
             <a:fld id="{2569B537-3F98-42F0-99FD-8EA841862FA2}" type="datetimeFigureOut">
               <a:rPr lang="ko-KR" altLang="en-US" smtClean="0"/>
-              <a:t>2019-04-14</a:t>
+              <a:t>2019-04-16</a:t>
             </a:fld>
             <a:endParaRPr lang="ko-KR" altLang="en-US"/>
           </a:p>
@@ -409,7 +414,7 @@
           <a:p>
             <a:fld id="{2569B537-3F98-42F0-99FD-8EA841862FA2}" type="datetimeFigureOut">
               <a:rPr lang="ko-KR" altLang="en-US" smtClean="0"/>
-              <a:t>2019-04-14</a:t>
+              <a:t>2019-04-16</a:t>
             </a:fld>
             <a:endParaRPr lang="ko-KR" altLang="en-US"/>
           </a:p>
@@ -589,7 +594,7 @@
           <a:p>
             <a:fld id="{2569B537-3F98-42F0-99FD-8EA841862FA2}" type="datetimeFigureOut">
               <a:rPr lang="ko-KR" altLang="en-US" smtClean="0"/>
-              <a:t>2019-04-14</a:t>
+              <a:t>2019-04-16</a:t>
             </a:fld>
             <a:endParaRPr lang="ko-KR" altLang="en-US"/>
           </a:p>
@@ -759,7 +764,7 @@
           <a:p>
             <a:fld id="{2569B537-3F98-42F0-99FD-8EA841862FA2}" type="datetimeFigureOut">
               <a:rPr lang="ko-KR" altLang="en-US" smtClean="0"/>
-              <a:t>2019-04-14</a:t>
+              <a:t>2019-04-16</a:t>
             </a:fld>
             <a:endParaRPr lang="ko-KR" altLang="en-US"/>
           </a:p>
@@ -1005,7 +1010,7 @@
           <a:p>
             <a:fld id="{2569B537-3F98-42F0-99FD-8EA841862FA2}" type="datetimeFigureOut">
               <a:rPr lang="ko-KR" altLang="en-US" smtClean="0"/>
-              <a:t>2019-04-14</a:t>
+              <a:t>2019-04-16</a:t>
             </a:fld>
             <a:endParaRPr lang="ko-KR" altLang="en-US"/>
           </a:p>
@@ -1237,7 +1242,7 @@
           <a:p>
             <a:fld id="{2569B537-3F98-42F0-99FD-8EA841862FA2}" type="datetimeFigureOut">
               <a:rPr lang="ko-KR" altLang="en-US" smtClean="0"/>
-              <a:t>2019-04-14</a:t>
+              <a:t>2019-04-16</a:t>
             </a:fld>
             <a:endParaRPr lang="ko-KR" altLang="en-US"/>
           </a:p>
@@ -1604,7 +1609,7 @@
           <a:p>
             <a:fld id="{2569B537-3F98-42F0-99FD-8EA841862FA2}" type="datetimeFigureOut">
               <a:rPr lang="ko-KR" altLang="en-US" smtClean="0"/>
-              <a:t>2019-04-14</a:t>
+              <a:t>2019-04-16</a:t>
             </a:fld>
             <a:endParaRPr lang="ko-KR" altLang="en-US"/>
           </a:p>
@@ -1722,7 +1727,7 @@
           <a:p>
             <a:fld id="{2569B537-3F98-42F0-99FD-8EA841862FA2}" type="datetimeFigureOut">
               <a:rPr lang="ko-KR" altLang="en-US" smtClean="0"/>
-              <a:t>2019-04-14</a:t>
+              <a:t>2019-04-16</a:t>
             </a:fld>
             <a:endParaRPr lang="ko-KR" altLang="en-US"/>
           </a:p>
@@ -1817,7 +1822,7 @@
           <a:p>
             <a:fld id="{2569B537-3F98-42F0-99FD-8EA841862FA2}" type="datetimeFigureOut">
               <a:rPr lang="ko-KR" altLang="en-US" smtClean="0"/>
-              <a:t>2019-04-14</a:t>
+              <a:t>2019-04-16</a:t>
             </a:fld>
             <a:endParaRPr lang="ko-KR" altLang="en-US"/>
           </a:p>
@@ -2094,7 +2099,7 @@
           <a:p>
             <a:fld id="{2569B537-3F98-42F0-99FD-8EA841862FA2}" type="datetimeFigureOut">
               <a:rPr lang="ko-KR" altLang="en-US" smtClean="0"/>
-              <a:t>2019-04-14</a:t>
+              <a:t>2019-04-16</a:t>
             </a:fld>
             <a:endParaRPr lang="ko-KR" altLang="en-US"/>
           </a:p>
@@ -2347,7 +2352,7 @@
           <a:p>
             <a:fld id="{2569B537-3F98-42F0-99FD-8EA841862FA2}" type="datetimeFigureOut">
               <a:rPr lang="ko-KR" altLang="en-US" smtClean="0"/>
-              <a:t>2019-04-14</a:t>
+              <a:t>2019-04-16</a:t>
             </a:fld>
             <a:endParaRPr lang="ko-KR" altLang="en-US"/>
           </a:p>
@@ -2560,7 +2565,7 @@
           <a:p>
             <a:fld id="{2569B537-3F98-42F0-99FD-8EA841862FA2}" type="datetimeFigureOut">
               <a:rPr lang="ko-KR" altLang="en-US" smtClean="0"/>
-              <a:t>2019-04-14</a:t>
+              <a:t>2019-04-16</a:t>
             </a:fld>
             <a:endParaRPr lang="ko-KR" altLang="en-US"/>
           </a:p>
@@ -3049,7 +3054,7 @@
       </p:pic>
       <p:pic>
         <p:nvPicPr>
-          <p:cNvPr id="6" name="그림 5"/>
+          <p:cNvPr id="3" name="그림 2"/>
           <p:cNvPicPr>
             <a:picLocks noChangeAspect="1"/>
           </p:cNvPicPr>
@@ -3069,8 +3074,8 @@
         </p:blipFill>
         <p:spPr>
           <a:xfrm>
-            <a:off x="7858456" y="1825625"/>
-            <a:ext cx="3789667" cy="4351338"/>
+            <a:off x="7858458" y="1816247"/>
+            <a:ext cx="3671556" cy="4360716"/>
           </a:xfrm>
           <a:prstGeom prst="rect">
             <a:avLst/>

--- a/PPT 제출하는 폴더/201413099 신명수 작업물.pptx
+++ b/PPT 제출하는 폴더/201413099 신명수 작업물.pptx
@@ -6,7 +6,8 @@
   </p:sldMasterIdLst>
   <p:sldIdLst>
     <p:sldId id="257" r:id="rId2"/>
-    <p:sldId id="258" r:id="rId3"/>
+    <p:sldId id="259" r:id="rId3"/>
+    <p:sldId id="258" r:id="rId4"/>
   </p:sldIdLst>
   <p:sldSz cx="12192000" cy="6858000"/>
   <p:notesSz cx="6858000" cy="9144000"/>
@@ -2987,7 +2988,19 @@
           <a:p>
             <a:r>
               <a:rPr lang="ko-KR" altLang="en-US" dirty="0" smtClean="0"/>
-              <a:t>캐릭터 모델링 작업</a:t>
+              <a:t>캐릭터 </a:t>
+            </a:r>
+            <a:r>
+              <a:rPr lang="ko-KR" altLang="en-US" dirty="0" smtClean="0"/>
+              <a:t>더미 </a:t>
+            </a:r>
+            <a:r>
+              <a:rPr lang="ko-KR" altLang="en-US" dirty="0" smtClean="0"/>
+              <a:t>모델링 </a:t>
+            </a:r>
+            <a:r>
+              <a:rPr lang="ko-KR" altLang="en-US" dirty="0" smtClean="0"/>
+              <a:t>작업</a:t>
             </a:r>
             <a:endParaRPr lang="ko-KR" altLang="en-US" dirty="0"/>
           </a:p>
@@ -3017,8 +3030,8 @@
         </p:blipFill>
         <p:spPr>
           <a:xfrm>
-            <a:off x="838200" y="1825625"/>
-            <a:ext cx="3278496" cy="4351338"/>
+            <a:off x="152400" y="2228850"/>
+            <a:ext cx="2974688" cy="3948113"/>
           </a:xfrm>
         </p:spPr>
       </p:pic>
@@ -3044,8 +3057,8 @@
         </p:blipFill>
         <p:spPr>
           <a:xfrm>
-            <a:off x="4116696" y="1825626"/>
-            <a:ext cx="3741761" cy="4351338"/>
+            <a:off x="8789513" y="2228849"/>
+            <a:ext cx="3395023" cy="3948113"/>
           </a:xfrm>
           <a:prstGeom prst="rect">
             <a:avLst/>
@@ -3054,7 +3067,7 @@
       </p:pic>
       <p:pic>
         <p:nvPicPr>
-          <p:cNvPr id="3" name="그림 2"/>
+          <p:cNvPr id="7" name="그림 6"/>
           <p:cNvPicPr>
             <a:picLocks noChangeAspect="1"/>
           </p:cNvPicPr>
@@ -3074,8 +3087,38 @@
         </p:blipFill>
         <p:spPr>
           <a:xfrm>
-            <a:off x="7858458" y="1816247"/>
-            <a:ext cx="3671556" cy="4360716"/>
+            <a:off x="2945121" y="2283782"/>
+            <a:ext cx="3496143" cy="3893181"/>
+          </a:xfrm>
+          <a:prstGeom prst="rect">
+            <a:avLst/>
+          </a:prstGeom>
+        </p:spPr>
+      </p:pic>
+      <p:pic>
+        <p:nvPicPr>
+          <p:cNvPr id="8" name="그림 7"/>
+          <p:cNvPicPr>
+            <a:picLocks noChangeAspect="1"/>
+          </p:cNvPicPr>
+          <p:nvPr/>
+        </p:nvPicPr>
+        <p:blipFill>
+          <a:blip r:embed="rId5">
+            <a:extLst>
+              <a:ext uri="{28A0092B-C50C-407E-A947-70E740481C1C}">
+                <a14:useLocalDpi xmlns:a14="http://schemas.microsoft.com/office/drawing/2010/main" val="0"/>
+              </a:ext>
+            </a:extLst>
+          </a:blip>
+          <a:stretch>
+            <a:fillRect/>
+          </a:stretch>
+        </p:blipFill>
+        <p:spPr>
+          <a:xfrm>
+            <a:off x="5676899" y="2491994"/>
+            <a:ext cx="3436127" cy="3684968"/>
           </a:xfrm>
           <a:prstGeom prst="rect">
             <a:avLst/>
@@ -3096,6 +3139,151 @@
 </file>
 
 <file path=ppt/slides/slide2.xml><?xml version="1.0" encoding="utf-8"?>
+<p:sld xmlns:a="http://schemas.openxmlformats.org/drawingml/2006/main" xmlns:r="http://schemas.openxmlformats.org/officeDocument/2006/relationships" xmlns:p="http://schemas.openxmlformats.org/presentationml/2006/main">
+  <p:cSld>
+    <p:spTree>
+      <p:nvGrpSpPr>
+        <p:cNvPr id="1" name=""/>
+        <p:cNvGrpSpPr/>
+        <p:nvPr/>
+      </p:nvGrpSpPr>
+      <p:grpSpPr>
+        <a:xfrm>
+          <a:off x="0" y="0"/>
+          <a:ext cx="0" cy="0"/>
+          <a:chOff x="0" y="0"/>
+          <a:chExt cx="0" cy="0"/>
+        </a:xfrm>
+      </p:grpSpPr>
+      <p:sp>
+        <p:nvSpPr>
+          <p:cNvPr id="2" name="제목 1"/>
+          <p:cNvSpPr>
+            <a:spLocks noGrp="1"/>
+          </p:cNvSpPr>
+          <p:nvPr>
+            <p:ph type="title"/>
+          </p:nvPr>
+        </p:nvSpPr>
+        <p:spPr/>
+        <p:txBody>
+          <a:bodyPr/>
+          <a:lstStyle/>
+          <a:p>
+            <a:r>
+              <a:rPr lang="ko-KR" altLang="en-US" dirty="0" smtClean="0"/>
+              <a:t>캐릭터 모델링 </a:t>
+            </a:r>
+            <a:r>
+              <a:rPr lang="ko-KR" altLang="en-US" dirty="0"/>
+              <a:t>작업</a:t>
+            </a:r>
+          </a:p>
+        </p:txBody>
+      </p:sp>
+      <p:pic>
+        <p:nvPicPr>
+          <p:cNvPr id="4" name="내용 개체 틀 3"/>
+          <p:cNvPicPr>
+            <a:picLocks noGrp="1" noChangeAspect="1"/>
+          </p:cNvPicPr>
+          <p:nvPr>
+            <p:ph idx="1"/>
+          </p:nvPr>
+        </p:nvPicPr>
+        <p:blipFill>
+          <a:blip r:embed="rId2">
+            <a:extLst>
+              <a:ext uri="{28A0092B-C50C-407E-A947-70E740481C1C}">
+                <a14:useLocalDpi xmlns:a14="http://schemas.microsoft.com/office/drawing/2010/main" val="0"/>
+              </a:ext>
+            </a:extLst>
+          </a:blip>
+          <a:stretch>
+            <a:fillRect/>
+          </a:stretch>
+        </p:blipFill>
+        <p:spPr>
+          <a:xfrm>
+            <a:off x="963758" y="1825625"/>
+            <a:ext cx="3663660" cy="4351338"/>
+          </a:xfrm>
+        </p:spPr>
+      </p:pic>
+      <p:pic>
+        <p:nvPicPr>
+          <p:cNvPr id="6" name="그림 5"/>
+          <p:cNvPicPr>
+            <a:picLocks noChangeAspect="1"/>
+          </p:cNvPicPr>
+          <p:nvPr/>
+        </p:nvPicPr>
+        <p:blipFill>
+          <a:blip r:embed="rId3">
+            <a:extLst>
+              <a:ext uri="{28A0092B-C50C-407E-A947-70E740481C1C}">
+                <a14:useLocalDpi xmlns:a14="http://schemas.microsoft.com/office/drawing/2010/main" val="0"/>
+              </a:ext>
+            </a:extLst>
+          </a:blip>
+          <a:stretch>
+            <a:fillRect/>
+          </a:stretch>
+        </p:blipFill>
+        <p:spPr>
+          <a:xfrm>
+            <a:off x="4734237" y="1796048"/>
+            <a:ext cx="3309626" cy="4380916"/>
+          </a:xfrm>
+          <a:prstGeom prst="rect">
+            <a:avLst/>
+          </a:prstGeom>
+        </p:spPr>
+      </p:pic>
+      <p:pic>
+        <p:nvPicPr>
+          <p:cNvPr id="7" name="그림 6"/>
+          <p:cNvPicPr>
+            <a:picLocks noChangeAspect="1"/>
+          </p:cNvPicPr>
+          <p:nvPr/>
+        </p:nvPicPr>
+        <p:blipFill>
+          <a:blip r:embed="rId4">
+            <a:extLst>
+              <a:ext uri="{28A0092B-C50C-407E-A947-70E740481C1C}">
+                <a14:useLocalDpi xmlns:a14="http://schemas.microsoft.com/office/drawing/2010/main" val="0"/>
+              </a:ext>
+            </a:extLst>
+          </a:blip>
+          <a:stretch>
+            <a:fillRect/>
+          </a:stretch>
+        </p:blipFill>
+        <p:spPr>
+          <a:xfrm>
+            <a:off x="8150682" y="1783101"/>
+            <a:ext cx="3579356" cy="4599135"/>
+          </a:xfrm>
+          <a:prstGeom prst="rect">
+            <a:avLst/>
+          </a:prstGeom>
+        </p:spPr>
+      </p:pic>
+    </p:spTree>
+    <p:extLst>
+      <p:ext uri="{BB962C8B-B14F-4D97-AF65-F5344CB8AC3E}">
+        <p14:creationId xmlns:p14="http://schemas.microsoft.com/office/powerpoint/2010/main" val="651280205"/>
+      </p:ext>
+    </p:extLst>
+  </p:cSld>
+  <p:clrMapOvr>
+    <a:masterClrMapping/>
+  </p:clrMapOvr>
+</p:sld>
+</file>
+
+<file path=ppt/slides/slide3.xml><?xml version="1.0" encoding="utf-8"?>
 <p:sld xmlns:a="http://schemas.openxmlformats.org/drawingml/2006/main" xmlns:r="http://schemas.openxmlformats.org/officeDocument/2006/relationships" xmlns:p="http://schemas.openxmlformats.org/presentationml/2006/main">
   <p:cSld>
     <p:spTree>
